--- a/network_security/presentation/CoadyStephen20064122.pptx
+++ b/network_security/presentation/CoadyStephen20064122.pptx
@@ -110,6 +110,11 @@
       </a:defRPr>
     </a:lvl9pPr>
   </p:defaultTextStyle>
+  <p:extLst>
+    <p:ext uri="{EFAFB233-063F-42B5-8137-9DF3F51BA10A}">
+      <p15:sldGuideLst xmlns:p15="http://schemas.microsoft.com/office/powerpoint/2012/main"/>
+    </p:ext>
+  </p:extLst>
 </p:presentation>
 </file>
 
@@ -1227,6 +1232,13 @@
         </dgm:presLayoutVars>
       </dgm:prSet>
       <dgm:spPr/>
+      <dgm:t>
+        <a:bodyPr/>
+        <a:lstStyle/>
+        <a:p>
+          <a:endParaRPr lang="en-US"/>
+        </a:p>
+      </dgm:t>
     </dgm:pt>
     <dgm:pt modelId="{ADFD1474-1B18-8D41-A8D5-383614570CBE}" type="pres">
       <dgm:prSet presAssocID="{66709F70-7387-5F4D-8131-40DA1F172E90}" presName="hierRoot1" presStyleCnt="0"/>
@@ -1247,6 +1259,13 @@
         </dgm:presLayoutVars>
       </dgm:prSet>
       <dgm:spPr/>
+      <dgm:t>
+        <a:bodyPr/>
+        <a:lstStyle/>
+        <a:p>
+          <a:endParaRPr lang="en-US"/>
+        </a:p>
+      </dgm:t>
     </dgm:pt>
     <dgm:pt modelId="{705E0BDB-6C44-B149-8D23-3EF64CD1E4A2}" type="pres">
       <dgm:prSet presAssocID="{66709F70-7387-5F4D-8131-40DA1F172E90}" presName="hierChild2" presStyleCnt="0"/>
@@ -1255,6 +1274,13 @@
     <dgm:pt modelId="{DA7146BD-FC3E-654F-897E-E61AE1AE1B42}" type="pres">
       <dgm:prSet presAssocID="{0ACDDA17-ED2F-A34D-A52A-3F0AEBD1BF96}" presName="Name10" presStyleLbl="parChTrans1D2" presStyleIdx="0" presStyleCnt="2"/>
       <dgm:spPr/>
+      <dgm:t>
+        <a:bodyPr/>
+        <a:lstStyle/>
+        <a:p>
+          <a:endParaRPr lang="en-US"/>
+        </a:p>
+      </dgm:t>
     </dgm:pt>
     <dgm:pt modelId="{AA9A1A05-DBC5-864F-B9F2-E5BC59C6979E}" type="pres">
       <dgm:prSet presAssocID="{7B1AFE19-121F-0D47-B679-7F56BB232911}" presName="hierRoot2" presStyleCnt="0"/>
@@ -1275,6 +1301,13 @@
         </dgm:presLayoutVars>
       </dgm:prSet>
       <dgm:spPr/>
+      <dgm:t>
+        <a:bodyPr/>
+        <a:lstStyle/>
+        <a:p>
+          <a:endParaRPr lang="en-US"/>
+        </a:p>
+      </dgm:t>
     </dgm:pt>
     <dgm:pt modelId="{453EBA79-BE23-9744-896D-2D7F9254EB9E}" type="pres">
       <dgm:prSet presAssocID="{7B1AFE19-121F-0D47-B679-7F56BB232911}" presName="hierChild3" presStyleCnt="0"/>
@@ -1283,6 +1316,13 @@
     <dgm:pt modelId="{6C61D38A-07BE-E64B-8FBE-1E41BA938C6D}" type="pres">
       <dgm:prSet presAssocID="{B8596BD6-4606-9E4F-9981-8A5E73A58819}" presName="Name17" presStyleLbl="parChTrans1D3" presStyleIdx="0" presStyleCnt="3"/>
       <dgm:spPr/>
+      <dgm:t>
+        <a:bodyPr/>
+        <a:lstStyle/>
+        <a:p>
+          <a:endParaRPr lang="en-US"/>
+        </a:p>
+      </dgm:t>
     </dgm:pt>
     <dgm:pt modelId="{C08B9BB7-F81E-2946-BE4A-0D927A396B3A}" type="pres">
       <dgm:prSet presAssocID="{53D5BA24-DEE6-6940-9FE1-D2FA91677745}" presName="hierRoot3" presStyleCnt="0"/>
@@ -1303,6 +1343,13 @@
         </dgm:presLayoutVars>
       </dgm:prSet>
       <dgm:spPr/>
+      <dgm:t>
+        <a:bodyPr/>
+        <a:lstStyle/>
+        <a:p>
+          <a:endParaRPr lang="en-US"/>
+        </a:p>
+      </dgm:t>
     </dgm:pt>
     <dgm:pt modelId="{9BF139EE-DFC7-3340-B31C-88267BCD3C9B}" type="pres">
       <dgm:prSet presAssocID="{53D5BA24-DEE6-6940-9FE1-D2FA91677745}" presName="hierChild4" presStyleCnt="0"/>
@@ -1311,6 +1358,13 @@
     <dgm:pt modelId="{9979D717-366B-DB45-8BDD-5D3D57F4E117}" type="pres">
       <dgm:prSet presAssocID="{3C31DC5F-3AED-174D-BED9-8A2C94EB39AA}" presName="Name17" presStyleLbl="parChTrans1D3" presStyleIdx="1" presStyleCnt="3"/>
       <dgm:spPr/>
+      <dgm:t>
+        <a:bodyPr/>
+        <a:lstStyle/>
+        <a:p>
+          <a:endParaRPr lang="en-US"/>
+        </a:p>
+      </dgm:t>
     </dgm:pt>
     <dgm:pt modelId="{5307AC86-7DA7-8E44-B07C-434B5C4354FE}" type="pres">
       <dgm:prSet presAssocID="{57EF75C0-2811-E745-B61E-44D0698B8479}" presName="hierRoot3" presStyleCnt="0"/>
@@ -1331,6 +1385,13 @@
         </dgm:presLayoutVars>
       </dgm:prSet>
       <dgm:spPr/>
+      <dgm:t>
+        <a:bodyPr/>
+        <a:lstStyle/>
+        <a:p>
+          <a:endParaRPr lang="en-US"/>
+        </a:p>
+      </dgm:t>
     </dgm:pt>
     <dgm:pt modelId="{491D9CC0-CD8E-FB4F-AAC0-1E535E08808F}" type="pres">
       <dgm:prSet presAssocID="{57EF75C0-2811-E745-B61E-44D0698B8479}" presName="hierChild4" presStyleCnt="0"/>
@@ -1339,6 +1400,13 @@
     <dgm:pt modelId="{C492B65E-B806-1949-9C7A-9661459257FC}" type="pres">
       <dgm:prSet presAssocID="{6D397B6C-78CD-114B-9576-E7909B5D4CE2}" presName="Name10" presStyleLbl="parChTrans1D2" presStyleIdx="1" presStyleCnt="2"/>
       <dgm:spPr/>
+      <dgm:t>
+        <a:bodyPr/>
+        <a:lstStyle/>
+        <a:p>
+          <a:endParaRPr lang="en-US"/>
+        </a:p>
+      </dgm:t>
     </dgm:pt>
     <dgm:pt modelId="{66289E93-CC76-FE42-BC2C-74F2BC13E5BB}" type="pres">
       <dgm:prSet presAssocID="{CA1B1AB5-B654-A243-8C3C-7C327E824927}" presName="hierRoot2" presStyleCnt="0"/>
@@ -1359,6 +1427,13 @@
         </dgm:presLayoutVars>
       </dgm:prSet>
       <dgm:spPr/>
+      <dgm:t>
+        <a:bodyPr/>
+        <a:lstStyle/>
+        <a:p>
+          <a:endParaRPr lang="en-US"/>
+        </a:p>
+      </dgm:t>
     </dgm:pt>
     <dgm:pt modelId="{A27B96BA-C102-C345-93B6-B394A6D7376D}" type="pres">
       <dgm:prSet presAssocID="{CA1B1AB5-B654-A243-8C3C-7C327E824927}" presName="hierChild3" presStyleCnt="0"/>
@@ -1367,6 +1442,13 @@
     <dgm:pt modelId="{E775482F-CB8F-C842-B58C-822403727B70}" type="pres">
       <dgm:prSet presAssocID="{C31A6260-4DC8-0846-BDD2-CEF41990AFC9}" presName="Name17" presStyleLbl="parChTrans1D3" presStyleIdx="2" presStyleCnt="3"/>
       <dgm:spPr/>
+      <dgm:t>
+        <a:bodyPr/>
+        <a:lstStyle/>
+        <a:p>
+          <a:endParaRPr lang="en-US"/>
+        </a:p>
+      </dgm:t>
     </dgm:pt>
     <dgm:pt modelId="{28A6FEF3-91FE-5749-A00B-07065E12508D}" type="pres">
       <dgm:prSet presAssocID="{AD74C540-5279-A14E-93E0-B9BE9884197D}" presName="hierRoot3" presStyleCnt="0"/>
@@ -1402,6 +1484,13 @@
     <dgm:pt modelId="{4324303F-2171-1F4D-BCB5-61438C8C38D3}" type="pres">
       <dgm:prSet presAssocID="{036C6360-3444-9449-997E-BDE3685A5163}" presName="Name23" presStyleLbl="parChTrans1D4" presStyleIdx="0" presStyleCnt="3"/>
       <dgm:spPr/>
+      <dgm:t>
+        <a:bodyPr/>
+        <a:lstStyle/>
+        <a:p>
+          <a:endParaRPr lang="en-US"/>
+        </a:p>
+      </dgm:t>
     </dgm:pt>
     <dgm:pt modelId="{0B01CC0D-EEF8-5A41-A7AC-12E1A41CE94A}" type="pres">
       <dgm:prSet presAssocID="{4550175B-6365-B74D-9AE0-84B75CE94974}" presName="hierRoot4" presStyleCnt="0"/>
@@ -1422,6 +1511,13 @@
         </dgm:presLayoutVars>
       </dgm:prSet>
       <dgm:spPr/>
+      <dgm:t>
+        <a:bodyPr/>
+        <a:lstStyle/>
+        <a:p>
+          <a:endParaRPr lang="en-US"/>
+        </a:p>
+      </dgm:t>
     </dgm:pt>
     <dgm:pt modelId="{EA87C3E7-83C9-7B41-A630-649D7923301B}" type="pres">
       <dgm:prSet presAssocID="{4550175B-6365-B74D-9AE0-84B75CE94974}" presName="hierChild5" presStyleCnt="0"/>
@@ -1430,6 +1526,13 @@
     <dgm:pt modelId="{725199BA-B4BB-A54C-9CDD-F02EF57966DE}" type="pres">
       <dgm:prSet presAssocID="{6ED4396A-4A63-2E4B-8D23-0AC80C33A0E0}" presName="Name23" presStyleLbl="parChTrans1D4" presStyleIdx="1" presStyleCnt="3"/>
       <dgm:spPr/>
+      <dgm:t>
+        <a:bodyPr/>
+        <a:lstStyle/>
+        <a:p>
+          <a:endParaRPr lang="en-US"/>
+        </a:p>
+      </dgm:t>
     </dgm:pt>
     <dgm:pt modelId="{2801260B-3B38-1C48-94E0-CA19D6F3E1D1}" type="pres">
       <dgm:prSet presAssocID="{8688AFBC-51BA-A14B-824F-01C1B309B4EE}" presName="hierRoot4" presStyleCnt="0"/>
@@ -1465,6 +1568,13 @@
     <dgm:pt modelId="{14D35777-67D4-134D-8F5B-A6AADE7939C5}" type="pres">
       <dgm:prSet presAssocID="{75EE3C7E-1191-9C45-BE82-22BE033A55C1}" presName="Name23" presStyleLbl="parChTrans1D4" presStyleIdx="2" presStyleCnt="3"/>
       <dgm:spPr/>
+      <dgm:t>
+        <a:bodyPr/>
+        <a:lstStyle/>
+        <a:p>
+          <a:endParaRPr lang="en-US"/>
+        </a:p>
+      </dgm:t>
     </dgm:pt>
     <dgm:pt modelId="{09AF3266-9F9F-904F-B45C-C71F447F3F90}" type="pres">
       <dgm:prSet presAssocID="{D5420238-EB56-C148-A7D6-7583045AFDB4}" presName="hierRoot4" presStyleCnt="0"/>
@@ -1485,6 +1595,13 @@
         </dgm:presLayoutVars>
       </dgm:prSet>
       <dgm:spPr/>
+      <dgm:t>
+        <a:bodyPr/>
+        <a:lstStyle/>
+        <a:p>
+          <a:endParaRPr lang="en-US"/>
+        </a:p>
+      </dgm:t>
     </dgm:pt>
     <dgm:pt modelId="{1DC3A689-15D3-6849-A33D-F6F759A845B1}" type="pres">
       <dgm:prSet presAssocID="{D5420238-EB56-C148-A7D6-7583045AFDB4}" presName="hierChild5" presStyleCnt="0"/>
@@ -1492,33 +1609,33 @@
     </dgm:pt>
   </dgm:ptLst>
   <dgm:cxnLst>
+    <dgm:cxn modelId="{E6057E3E-22F1-B94D-AD9A-BD74AB21F13F}" type="presOf" srcId="{57EF75C0-2811-E745-B61E-44D0698B8479}" destId="{5B9D9D3F-CEDC-A44B-8E78-1DA7C8717F55}" srcOrd="0" destOrd="0" presId="urn:microsoft.com/office/officeart/2005/8/layout/hierarchy1"/>
+    <dgm:cxn modelId="{23627C29-8241-6E48-A6C6-FDD1F084D865}" type="presOf" srcId="{6D397B6C-78CD-114B-9576-E7909B5D4CE2}" destId="{C492B65E-B806-1949-9C7A-9661459257FC}" srcOrd="0" destOrd="0" presId="urn:microsoft.com/office/officeart/2005/8/layout/hierarchy1"/>
+    <dgm:cxn modelId="{5227ABF5-8490-9044-9974-F028816A81E1}" srcId="{4550175B-6365-B74D-9AE0-84B75CE94974}" destId="{D5420238-EB56-C148-A7D6-7583045AFDB4}" srcOrd="1" destOrd="0" parTransId="{75EE3C7E-1191-9C45-BE82-22BE033A55C1}" sibTransId="{189935C3-D040-F64B-AD4F-66B35FC199D0}"/>
+    <dgm:cxn modelId="{DC38B887-9F6B-1D43-B759-B34A0214DE0A}" type="presOf" srcId="{3C31DC5F-3AED-174D-BED9-8A2C94EB39AA}" destId="{9979D717-366B-DB45-8BDD-5D3D57F4E117}" srcOrd="0" destOrd="0" presId="urn:microsoft.com/office/officeart/2005/8/layout/hierarchy1"/>
+    <dgm:cxn modelId="{AB54E948-2BB3-5744-812A-A8FFF0F9754C}" type="presOf" srcId="{53D5BA24-DEE6-6940-9FE1-D2FA91677745}" destId="{D29766D6-AD3B-6B49-8AB9-0D4381159E87}" srcOrd="0" destOrd="0" presId="urn:microsoft.com/office/officeart/2005/8/layout/hierarchy1"/>
     <dgm:cxn modelId="{D458C56C-BA49-974F-AFE7-4BB8EA7B3FF0}" type="presOf" srcId="{AD74C540-5279-A14E-93E0-B9BE9884197D}" destId="{A723DD37-5AB4-FE42-B514-87E9B0CF1888}" srcOrd="0" destOrd="0" presId="urn:microsoft.com/office/officeart/2005/8/layout/hierarchy1"/>
+    <dgm:cxn modelId="{3979F489-6468-6E4A-9FD9-6B3B2A43F36A}" type="presOf" srcId="{4550175B-6365-B74D-9AE0-84B75CE94974}" destId="{0DBC7EAA-A946-B548-8A34-9A8AB62FEBD2}" srcOrd="0" destOrd="0" presId="urn:microsoft.com/office/officeart/2005/8/layout/hierarchy1"/>
+    <dgm:cxn modelId="{3B5F084F-9532-D045-BE3A-3D223403F438}" srcId="{4550175B-6365-B74D-9AE0-84B75CE94974}" destId="{8688AFBC-51BA-A14B-824F-01C1B309B4EE}" srcOrd="0" destOrd="0" parTransId="{6ED4396A-4A63-2E4B-8D23-0AC80C33A0E0}" sibTransId="{623A2A34-CBB6-5049-9A79-FF58AF505FBF}"/>
+    <dgm:cxn modelId="{216750F4-3B21-D347-9BB3-B35CD90785F8}" type="presOf" srcId="{75EE3C7E-1191-9C45-BE82-22BE033A55C1}" destId="{14D35777-67D4-134D-8F5B-A6AADE7939C5}" srcOrd="0" destOrd="0" presId="urn:microsoft.com/office/officeart/2005/8/layout/hierarchy1"/>
     <dgm:cxn modelId="{BFABFA41-9A08-734F-A8D1-40D36040A553}" type="presOf" srcId="{D5420238-EB56-C148-A7D6-7583045AFDB4}" destId="{07179541-A23F-BE47-A569-0823D6DDA051}" srcOrd="0" destOrd="0" presId="urn:microsoft.com/office/officeart/2005/8/layout/hierarchy1"/>
-    <dgm:cxn modelId="{5227ABF5-8490-9044-9974-F028816A81E1}" srcId="{4550175B-6365-B74D-9AE0-84B75CE94974}" destId="{D5420238-EB56-C148-A7D6-7583045AFDB4}" srcOrd="1" destOrd="0" parTransId="{75EE3C7E-1191-9C45-BE82-22BE033A55C1}" sibTransId="{189935C3-D040-F64B-AD4F-66B35FC199D0}"/>
-    <dgm:cxn modelId="{CFBC3DA1-3CA8-644A-84A0-790F7F835DD9}" srcId="{7B1AFE19-121F-0D47-B679-7F56BB232911}" destId="{57EF75C0-2811-E745-B61E-44D0698B8479}" srcOrd="1" destOrd="0" parTransId="{3C31DC5F-3AED-174D-BED9-8A2C94EB39AA}" sibTransId="{FB8F826D-3314-B04B-9C66-B13D38A548E3}"/>
-    <dgm:cxn modelId="{3979F489-6468-6E4A-9FD9-6B3B2A43F36A}" type="presOf" srcId="{4550175B-6365-B74D-9AE0-84B75CE94974}" destId="{0DBC7EAA-A946-B548-8A34-9A8AB62FEBD2}" srcOrd="0" destOrd="0" presId="urn:microsoft.com/office/officeart/2005/8/layout/hierarchy1"/>
+    <dgm:cxn modelId="{DF454B4F-3400-B244-9296-269AC32F8518}" type="presOf" srcId="{CA1B1AB5-B654-A243-8C3C-7C327E824927}" destId="{879E2B6D-E47E-D649-8A38-B2887942754A}" srcOrd="0" destOrd="0" presId="urn:microsoft.com/office/officeart/2005/8/layout/hierarchy1"/>
     <dgm:cxn modelId="{5AA46F10-72F1-3148-B09C-3AE0B3BE7913}" type="presOf" srcId="{66709F70-7387-5F4D-8131-40DA1F172E90}" destId="{7883F11F-9E37-1842-BBBB-6EF9CAB00BC7}" srcOrd="0" destOrd="0" presId="urn:microsoft.com/office/officeart/2005/8/layout/hierarchy1"/>
     <dgm:cxn modelId="{7012AC10-C1D8-164C-9297-AB079EF638CB}" srcId="{66709F70-7387-5F4D-8131-40DA1F172E90}" destId="{7B1AFE19-121F-0D47-B679-7F56BB232911}" srcOrd="0" destOrd="0" parTransId="{0ACDDA17-ED2F-A34D-A52A-3F0AEBD1BF96}" sibTransId="{41A6243D-E119-8746-B66E-EC580C45CF7C}"/>
+    <dgm:cxn modelId="{12022897-A7D4-0943-8B68-B8F411EB22C2}" srcId="{7B1AFE19-121F-0D47-B679-7F56BB232911}" destId="{53D5BA24-DEE6-6940-9FE1-D2FA91677745}" srcOrd="0" destOrd="0" parTransId="{B8596BD6-4606-9E4F-9981-8A5E73A58819}" sibTransId="{511EC2F1-4AAB-2E43-8185-BEABBF790E77}"/>
+    <dgm:cxn modelId="{1D54F3FE-87E2-C745-8519-6C636A7058A7}" type="presOf" srcId="{B8596BD6-4606-9E4F-9981-8A5E73A58819}" destId="{6C61D38A-07BE-E64B-8FBE-1E41BA938C6D}" srcOrd="0" destOrd="0" presId="urn:microsoft.com/office/officeart/2005/8/layout/hierarchy1"/>
+    <dgm:cxn modelId="{90871532-F34D-E043-A93D-A0153EB707C4}" srcId="{66709F70-7387-5F4D-8131-40DA1F172E90}" destId="{CA1B1AB5-B654-A243-8C3C-7C327E824927}" srcOrd="1" destOrd="0" parTransId="{6D397B6C-78CD-114B-9576-E7909B5D4CE2}" sibTransId="{F27E5240-9156-BB4E-9EC4-20748288A7C8}"/>
+    <dgm:cxn modelId="{2E31426B-4A5B-4148-826C-A34D3484277F}" type="presOf" srcId="{036C6360-3444-9449-997E-BDE3685A5163}" destId="{4324303F-2171-1F4D-BCB5-61438C8C38D3}" srcOrd="0" destOrd="0" presId="urn:microsoft.com/office/officeart/2005/8/layout/hierarchy1"/>
+    <dgm:cxn modelId="{493BE4A2-975E-8742-85AD-EE11046579DD}" type="presOf" srcId="{F4FEEA5F-2661-EC48-8D5B-40A9B6900690}" destId="{DCB5060D-BBD1-1A4F-89F4-BD2FC777D26F}" srcOrd="0" destOrd="0" presId="urn:microsoft.com/office/officeart/2005/8/layout/hierarchy1"/>
+    <dgm:cxn modelId="{6A08C992-C108-ED4F-8868-90118B801AD2}" type="presOf" srcId="{6ED4396A-4A63-2E4B-8D23-0AC80C33A0E0}" destId="{725199BA-B4BB-A54C-9CDD-F02EF57966DE}" srcOrd="0" destOrd="0" presId="urn:microsoft.com/office/officeart/2005/8/layout/hierarchy1"/>
     <dgm:cxn modelId="{5ABA9CE2-2B08-1642-A51E-E423FDC75880}" type="presOf" srcId="{C31A6260-4DC8-0846-BDD2-CEF41990AFC9}" destId="{E775482F-CB8F-C842-B58C-822403727B70}" srcOrd="0" destOrd="0" presId="urn:microsoft.com/office/officeart/2005/8/layout/hierarchy1"/>
-    <dgm:cxn modelId="{90871532-F34D-E043-A93D-A0153EB707C4}" srcId="{66709F70-7387-5F4D-8131-40DA1F172E90}" destId="{CA1B1AB5-B654-A243-8C3C-7C327E824927}" srcOrd="1" destOrd="0" parTransId="{6D397B6C-78CD-114B-9576-E7909B5D4CE2}" sibTransId="{F27E5240-9156-BB4E-9EC4-20748288A7C8}"/>
-    <dgm:cxn modelId="{493BE4A2-975E-8742-85AD-EE11046579DD}" type="presOf" srcId="{F4FEEA5F-2661-EC48-8D5B-40A9B6900690}" destId="{DCB5060D-BBD1-1A4F-89F4-BD2FC777D26F}" srcOrd="0" destOrd="0" presId="urn:microsoft.com/office/officeart/2005/8/layout/hierarchy1"/>
-    <dgm:cxn modelId="{DF454B4F-3400-B244-9296-269AC32F8518}" type="presOf" srcId="{CA1B1AB5-B654-A243-8C3C-7C327E824927}" destId="{879E2B6D-E47E-D649-8A38-B2887942754A}" srcOrd="0" destOrd="0" presId="urn:microsoft.com/office/officeart/2005/8/layout/hierarchy1"/>
-    <dgm:cxn modelId="{DC38B887-9F6B-1D43-B759-B34A0214DE0A}" type="presOf" srcId="{3C31DC5F-3AED-174D-BED9-8A2C94EB39AA}" destId="{9979D717-366B-DB45-8BDD-5D3D57F4E117}" srcOrd="0" destOrd="0" presId="urn:microsoft.com/office/officeart/2005/8/layout/hierarchy1"/>
-    <dgm:cxn modelId="{B4E36CE3-E904-7F4D-AABC-7539F3FE7496}" srcId="{CA1B1AB5-B654-A243-8C3C-7C327E824927}" destId="{AD74C540-5279-A14E-93E0-B9BE9884197D}" srcOrd="0" destOrd="0" parTransId="{C31A6260-4DC8-0846-BDD2-CEF41990AFC9}" sibTransId="{55FEEB75-BAD0-9347-B03E-B6E6FEF1A7D9}"/>
-    <dgm:cxn modelId="{BBFA347F-E889-4241-BB48-A18CF6B2FE6E}" srcId="{AD74C540-5279-A14E-93E0-B9BE9884197D}" destId="{4550175B-6365-B74D-9AE0-84B75CE94974}" srcOrd="0" destOrd="0" parTransId="{036C6360-3444-9449-997E-BDE3685A5163}" sibTransId="{6D88A556-C1C1-C34A-96F0-F79E86AA064C}"/>
     <dgm:cxn modelId="{8E03140C-411A-F94A-8084-AAAA3034B5D1}" type="presOf" srcId="{7B1AFE19-121F-0D47-B679-7F56BB232911}" destId="{DA9C7727-3F82-C542-AAA6-C3B300034844}" srcOrd="0" destOrd="0" presId="urn:microsoft.com/office/officeart/2005/8/layout/hierarchy1"/>
     <dgm:cxn modelId="{26F969D3-6F6A-C04A-9B9A-BE5C33D36828}" srcId="{F4FEEA5F-2661-EC48-8D5B-40A9B6900690}" destId="{66709F70-7387-5F4D-8131-40DA1F172E90}" srcOrd="0" destOrd="0" parTransId="{CAB872EF-E0D7-C64F-84FD-9CFFB6766A81}" sibTransId="{F92E28B8-EB3F-154E-A6E1-510CE175793E}"/>
-    <dgm:cxn modelId="{E6057E3E-22F1-B94D-AD9A-BD74AB21F13F}" type="presOf" srcId="{57EF75C0-2811-E745-B61E-44D0698B8479}" destId="{5B9D9D3F-CEDC-A44B-8E78-1DA7C8717F55}" srcOrd="0" destOrd="0" presId="urn:microsoft.com/office/officeart/2005/8/layout/hierarchy1"/>
-    <dgm:cxn modelId="{23627C29-8241-6E48-A6C6-FDD1F084D865}" type="presOf" srcId="{6D397B6C-78CD-114B-9576-E7909B5D4CE2}" destId="{C492B65E-B806-1949-9C7A-9661459257FC}" srcOrd="0" destOrd="0" presId="urn:microsoft.com/office/officeart/2005/8/layout/hierarchy1"/>
+    <dgm:cxn modelId="{B4E36CE3-E904-7F4D-AABC-7539F3FE7496}" srcId="{CA1B1AB5-B654-A243-8C3C-7C327E824927}" destId="{AD74C540-5279-A14E-93E0-B9BE9884197D}" srcOrd="0" destOrd="0" parTransId="{C31A6260-4DC8-0846-BDD2-CEF41990AFC9}" sibTransId="{55FEEB75-BAD0-9347-B03E-B6E6FEF1A7D9}"/>
+    <dgm:cxn modelId="{CFBC3DA1-3CA8-644A-84A0-790F7F835DD9}" srcId="{7B1AFE19-121F-0D47-B679-7F56BB232911}" destId="{57EF75C0-2811-E745-B61E-44D0698B8479}" srcOrd="1" destOrd="0" parTransId="{3C31DC5F-3AED-174D-BED9-8A2C94EB39AA}" sibTransId="{FB8F826D-3314-B04B-9C66-B13D38A548E3}"/>
     <dgm:cxn modelId="{16F79DEE-055D-484A-B8D7-DCA6E01F9F46}" type="presOf" srcId="{8688AFBC-51BA-A14B-824F-01C1B309B4EE}" destId="{E8762351-E3BE-7345-9DD5-EC7172455406}" srcOrd="0" destOrd="0" presId="urn:microsoft.com/office/officeart/2005/8/layout/hierarchy1"/>
     <dgm:cxn modelId="{047DFD89-8D1C-9F4D-BEB3-0E9566E19B91}" type="presOf" srcId="{0ACDDA17-ED2F-A34D-A52A-3F0AEBD1BF96}" destId="{DA7146BD-FC3E-654F-897E-E61AE1AE1B42}" srcOrd="0" destOrd="0" presId="urn:microsoft.com/office/officeart/2005/8/layout/hierarchy1"/>
-    <dgm:cxn modelId="{216750F4-3B21-D347-9BB3-B35CD90785F8}" type="presOf" srcId="{75EE3C7E-1191-9C45-BE82-22BE033A55C1}" destId="{14D35777-67D4-134D-8F5B-A6AADE7939C5}" srcOrd="0" destOrd="0" presId="urn:microsoft.com/office/officeart/2005/8/layout/hierarchy1"/>
-    <dgm:cxn modelId="{12022897-A7D4-0943-8B68-B8F411EB22C2}" srcId="{7B1AFE19-121F-0D47-B679-7F56BB232911}" destId="{53D5BA24-DEE6-6940-9FE1-D2FA91677745}" srcOrd="0" destOrd="0" parTransId="{B8596BD6-4606-9E4F-9981-8A5E73A58819}" sibTransId="{511EC2F1-4AAB-2E43-8185-BEABBF790E77}"/>
-    <dgm:cxn modelId="{3B5F084F-9532-D045-BE3A-3D223403F438}" srcId="{4550175B-6365-B74D-9AE0-84B75CE94974}" destId="{8688AFBC-51BA-A14B-824F-01C1B309B4EE}" srcOrd="0" destOrd="0" parTransId="{6ED4396A-4A63-2E4B-8D23-0AC80C33A0E0}" sibTransId="{623A2A34-CBB6-5049-9A79-FF58AF505FBF}"/>
-    <dgm:cxn modelId="{6A08C992-C108-ED4F-8868-90118B801AD2}" type="presOf" srcId="{6ED4396A-4A63-2E4B-8D23-0AC80C33A0E0}" destId="{725199BA-B4BB-A54C-9CDD-F02EF57966DE}" srcOrd="0" destOrd="0" presId="urn:microsoft.com/office/officeart/2005/8/layout/hierarchy1"/>
-    <dgm:cxn modelId="{2E31426B-4A5B-4148-826C-A34D3484277F}" type="presOf" srcId="{036C6360-3444-9449-997E-BDE3685A5163}" destId="{4324303F-2171-1F4D-BCB5-61438C8C38D3}" srcOrd="0" destOrd="0" presId="urn:microsoft.com/office/officeart/2005/8/layout/hierarchy1"/>
-    <dgm:cxn modelId="{AB54E948-2BB3-5744-812A-A8FFF0F9754C}" type="presOf" srcId="{53D5BA24-DEE6-6940-9FE1-D2FA91677745}" destId="{D29766D6-AD3B-6B49-8AB9-0D4381159E87}" srcOrd="0" destOrd="0" presId="urn:microsoft.com/office/officeart/2005/8/layout/hierarchy1"/>
-    <dgm:cxn modelId="{1D54F3FE-87E2-C745-8519-6C636A7058A7}" type="presOf" srcId="{B8596BD6-4606-9E4F-9981-8A5E73A58819}" destId="{6C61D38A-07BE-E64B-8FBE-1E41BA938C6D}" srcOrd="0" destOrd="0" presId="urn:microsoft.com/office/officeart/2005/8/layout/hierarchy1"/>
+    <dgm:cxn modelId="{BBFA347F-E889-4241-BB48-A18CF6B2FE6E}" srcId="{AD74C540-5279-A14E-93E0-B9BE9884197D}" destId="{4550175B-6365-B74D-9AE0-84B75CE94974}" srcOrd="0" destOrd="0" parTransId="{036C6360-3444-9449-997E-BDE3685A5163}" sibTransId="{6D88A556-C1C1-C34A-96F0-F79E86AA064C}"/>
     <dgm:cxn modelId="{4D80F9EF-8478-B342-8460-9CB817DAF28E}" type="presParOf" srcId="{DCB5060D-BBD1-1A4F-89F4-BD2FC777D26F}" destId="{ADFD1474-1B18-8D41-A8D5-383614570CBE}" srcOrd="0" destOrd="0" presId="urn:microsoft.com/office/officeart/2005/8/layout/hierarchy1"/>
     <dgm:cxn modelId="{4FA71F55-BE43-FD43-A8B2-8AD943F1A90A}" type="presParOf" srcId="{ADFD1474-1B18-8D41-A8D5-383614570CBE}" destId="{0F433A5E-58DB-7048-89D7-3AAB14F607F6}" srcOrd="0" destOrd="0" presId="urn:microsoft.com/office/officeart/2005/8/layout/hierarchy1"/>
     <dgm:cxn modelId="{F84FE6BA-0D80-8547-A462-6FC937C41037}" type="presParOf" srcId="{0F433A5E-58DB-7048-89D7-3AAB14F607F6}" destId="{4280B52D-A515-E645-8026-D4C6489BFC89}" srcOrd="0" destOrd="0" presId="urn:microsoft.com/office/officeart/2005/8/layout/hierarchy1"/>
@@ -5155,7 +5272,7 @@
           <a:p>
             <a:fld id="{4AAD347D-5ACD-4C99-B74B-A9C85AD731AF}" type="datetimeFigureOut">
               <a:rPr lang="en-US" dirty="0"/>
-              <a:t>11/1/16</a:t>
+              <a:t>11/9/16</a:t>
             </a:fld>
             <a:endParaRPr lang="en-US" dirty="0"/>
           </a:p>
@@ -5425,7 +5542,7 @@
           <a:p>
             <a:fld id="{4509A250-FF31-4206-8172-F9D3106AACB1}" type="datetimeFigureOut">
               <a:rPr lang="en-US" dirty="0"/>
-              <a:t>11/1/16</a:t>
+              <a:t>11/9/16</a:t>
             </a:fld>
             <a:endParaRPr lang="en-US" dirty="0"/>
           </a:p>
@@ -5614,7 +5731,7 @@
           <a:p>
             <a:fld id="{4509A250-FF31-4206-8172-F9D3106AACB1}" type="datetimeFigureOut">
               <a:rPr lang="en-US" dirty="0"/>
-              <a:t>11/1/16</a:t>
+              <a:t>11/9/16</a:t>
             </a:fld>
             <a:endParaRPr lang="en-US" dirty="0"/>
           </a:p>
@@ -5882,7 +5999,7 @@
           <a:p>
             <a:fld id="{4509A250-FF31-4206-8172-F9D3106AACB1}" type="datetimeFigureOut">
               <a:rPr lang="en-US" dirty="0"/>
-              <a:t>11/1/16</a:t>
+              <a:t>11/9/16</a:t>
             </a:fld>
             <a:endParaRPr lang="en-US" dirty="0"/>
           </a:p>
@@ -6218,7 +6335,7 @@
           <a:p>
             <a:fld id="{4509A250-FF31-4206-8172-F9D3106AACB1}" type="datetimeFigureOut">
               <a:rPr lang="en-US" dirty="0"/>
-              <a:t>11/1/16</a:t>
+              <a:t>11/9/16</a:t>
             </a:fld>
             <a:endParaRPr lang="en-US" dirty="0"/>
           </a:p>
@@ -6836,7 +6953,7 @@
           <a:p>
             <a:fld id="{4509A250-FF31-4206-8172-F9D3106AACB1}" type="datetimeFigureOut">
               <a:rPr lang="en-US" dirty="0"/>
-              <a:t>11/1/16</a:t>
+              <a:t>11/9/16</a:t>
             </a:fld>
             <a:endParaRPr lang="en-US" dirty="0"/>
           </a:p>
@@ -7691,7 +7808,7 @@
           <a:p>
             <a:fld id="{4509A250-FF31-4206-8172-F9D3106AACB1}" type="datetimeFigureOut">
               <a:rPr lang="en-US" dirty="0"/>
-              <a:t>11/1/16</a:t>
+              <a:t>11/9/16</a:t>
             </a:fld>
             <a:endParaRPr lang="en-US" dirty="0"/>
           </a:p>
@@ -7856,7 +7973,7 @@
           <a:p>
             <a:fld id="{4509A250-FF31-4206-8172-F9D3106AACB1}" type="datetimeFigureOut">
               <a:rPr lang="en-US" dirty="0"/>
-              <a:t>11/1/16</a:t>
+              <a:t>11/9/16</a:t>
             </a:fld>
             <a:endParaRPr lang="en-US" dirty="0"/>
           </a:p>
@@ -8031,7 +8148,7 @@
           <a:p>
             <a:fld id="{4509A250-FF31-4206-8172-F9D3106AACB1}" type="datetimeFigureOut">
               <a:rPr lang="en-US" dirty="0"/>
-              <a:t>11/1/16</a:t>
+              <a:t>11/9/16</a:t>
             </a:fld>
             <a:endParaRPr lang="en-US" dirty="0"/>
           </a:p>
@@ -8196,7 +8313,7 @@
           <a:p>
             <a:fld id="{4509A250-FF31-4206-8172-F9D3106AACB1}" type="datetimeFigureOut">
               <a:rPr lang="en-US" dirty="0"/>
-              <a:t>11/1/16</a:t>
+              <a:t>11/9/16</a:t>
             </a:fld>
             <a:endParaRPr lang="en-US" dirty="0"/>
           </a:p>
@@ -8438,7 +8555,7 @@
           <a:p>
             <a:fld id="{9796027F-7875-4030-9381-8BD8C4F21935}" type="datetimeFigureOut">
               <a:rPr lang="en-US" dirty="0"/>
-              <a:t>11/1/16</a:t>
+              <a:t>11/9/16</a:t>
             </a:fld>
             <a:endParaRPr lang="en-US" dirty="0"/>
           </a:p>
@@ -8725,7 +8842,7 @@
           <a:p>
             <a:fld id="{9796027F-7875-4030-9381-8BD8C4F21935}" type="datetimeFigureOut">
               <a:rPr lang="en-US" dirty="0"/>
-              <a:t>11/1/16</a:t>
+              <a:t>11/9/16</a:t>
             </a:fld>
             <a:endParaRPr lang="en-US" dirty="0"/>
           </a:p>
@@ -9164,7 +9281,7 @@
           <a:p>
             <a:fld id="{9796027F-7875-4030-9381-8BD8C4F21935}" type="datetimeFigureOut">
               <a:rPr lang="en-US" dirty="0"/>
-              <a:t>11/1/16</a:t>
+              <a:t>11/9/16</a:t>
             </a:fld>
             <a:endParaRPr lang="en-US" dirty="0"/>
           </a:p>
@@ -9277,7 +9394,7 @@
           <a:p>
             <a:fld id="{4509A250-FF31-4206-8172-F9D3106AACB1}" type="datetimeFigureOut">
               <a:rPr lang="en-US" dirty="0"/>
-              <a:t>11/1/16</a:t>
+              <a:t>11/9/16</a:t>
             </a:fld>
             <a:endParaRPr lang="en-US" dirty="0"/>
           </a:p>
@@ -9367,7 +9484,7 @@
           <a:p>
             <a:fld id="{4509A250-FF31-4206-8172-F9D3106AACB1}" type="datetimeFigureOut">
               <a:rPr lang="en-US" dirty="0"/>
-              <a:t>11/1/16</a:t>
+              <a:t>11/9/16</a:t>
             </a:fld>
             <a:endParaRPr lang="en-US" dirty="0"/>
           </a:p>
@@ -9641,7 +9758,7 @@
           <a:p>
             <a:fld id="{4509A250-FF31-4206-8172-F9D3106AACB1}" type="datetimeFigureOut">
               <a:rPr lang="en-US" dirty="0"/>
-              <a:t>11/1/16</a:t>
+              <a:t>11/9/16</a:t>
             </a:fld>
             <a:endParaRPr lang="en-US" dirty="0"/>
           </a:p>
@@ -9911,7 +10028,7 @@
           <a:p>
             <a:fld id="{4509A250-FF31-4206-8172-F9D3106AACB1}" type="datetimeFigureOut">
               <a:rPr lang="en-US" dirty="0"/>
-              <a:t>11/1/16</a:t>
+              <a:t>11/9/16</a:t>
             </a:fld>
             <a:endParaRPr lang="en-US" dirty="0"/>
           </a:p>
@@ -10335,7 +10452,7 @@
           <a:p>
             <a:fld id="{4AAD347D-5ACD-4C99-B74B-A9C85AD731AF}" type="datetimeFigureOut">
               <a:rPr lang="en-US" dirty="0"/>
-              <a:t>11/1/16</a:t>
+              <a:t>11/9/16</a:t>
             </a:fld>
             <a:endParaRPr lang="en-US" dirty="0"/>
           </a:p>
@@ -11336,7 +11453,7 @@
         <p:spPr>
           <a:xfrm>
             <a:off x="646111" y="1198870"/>
-            <a:ext cx="3235181" cy="369332"/>
+            <a:ext cx="3235181" cy="1754326"/>
           </a:xfrm>
           <a:prstGeom prst="rect">
             <a:avLst/>
@@ -11351,9 +11468,63 @@
           <a:p>
             <a:r>
               <a:rPr lang="en-US" dirty="0" smtClean="0"/>
-              <a:t>Short Answer: Namespaces</a:t>
+              <a:t>Short Answer: </a:t>
             </a:r>
-            <a:endParaRPr lang="en-US" dirty="0"/>
+            <a:r>
+              <a:rPr lang="en-US" dirty="0" smtClean="0"/>
+              <a:t>Namespaces</a:t>
+            </a:r>
+          </a:p>
+          <a:p>
+            <a:pPr marL="285750" indent="-285750">
+              <a:buFontTx/>
+              <a:buChar char="-"/>
+            </a:pPr>
+            <a:r>
+              <a:rPr lang="en-US" dirty="0" smtClean="0"/>
+              <a:t>Mount</a:t>
+            </a:r>
+          </a:p>
+          <a:p>
+            <a:pPr marL="285750" indent="-285750">
+              <a:buFontTx/>
+              <a:buChar char="-"/>
+            </a:pPr>
+            <a:r>
+              <a:rPr lang="en-US" dirty="0" smtClean="0"/>
+              <a:t>User</a:t>
+            </a:r>
+          </a:p>
+          <a:p>
+            <a:pPr marL="285750" indent="-285750">
+              <a:buFontTx/>
+              <a:buChar char="-"/>
+            </a:pPr>
+            <a:r>
+              <a:rPr lang="en-US" dirty="0" smtClean="0"/>
+              <a:t>Network</a:t>
+            </a:r>
+          </a:p>
+          <a:p>
+            <a:pPr marL="285750" indent="-285750">
+              <a:buFontTx/>
+              <a:buChar char="-"/>
+            </a:pPr>
+            <a:r>
+              <a:rPr lang="en-US" dirty="0" smtClean="0"/>
+              <a:t>Process</a:t>
+            </a:r>
+          </a:p>
+          <a:p>
+            <a:pPr marL="285750" indent="-285750">
+              <a:buFontTx/>
+              <a:buChar char="-"/>
+            </a:pPr>
+            <a:r>
+              <a:rPr lang="en-US" dirty="0" err="1" smtClean="0"/>
+              <a:t>etc</a:t>
+            </a:r>
+            <a:endParaRPr lang="en-US" dirty="0" smtClean="0"/>
           </a:p>
         </p:txBody>
       </p:sp>
